--- a/slides/day2.pptx
+++ b/slides/day2.pptx
@@ -13,6 +13,14 @@
     <p:sldId id="262" r:id="rId7"/>
     <p:sldId id="263" r:id="rId8"/>
     <p:sldId id="264" r:id="rId9"/>
+    <p:sldId id="265" r:id="rId10"/>
+    <p:sldId id="266" r:id="rId11"/>
+    <p:sldId id="267" r:id="rId12"/>
+    <p:sldId id="268" r:id="rId13"/>
+    <p:sldId id="269" r:id="rId14"/>
+    <p:sldId id="270" r:id="rId15"/>
+    <p:sldId id="271" r:id="rId16"/>
+    <p:sldId id="272" r:id="rId17"/>
   </p:sldIdLst>
   <p:sldSz cx="12192000" cy="6858000"/>
   <p:notesSz cx="6858000" cy="9144000"/>
@@ -111,6 +119,11 @@
       </a:defRPr>
     </a:lvl9pPr>
   </p:defaultTextStyle>
+  <p:extLst>
+    <p:ext uri="{EFAFB233-063F-42B5-8137-9DF3F51BA10A}">
+      <p15:sldGuideLst xmlns:p15="http://schemas.microsoft.com/office/powerpoint/2012/main"/>
+    </p:ext>
+  </p:extLst>
 </p:presentation>
 </file>
 
@@ -265,7 +278,7 @@
           <a:p>
             <a:fld id="{1F950B41-5E96-432F-B8E7-F7E4B9406995}" type="datetimeFigureOut">
               <a:rPr lang="en-US" smtClean="0"/>
-              <a:t>9/28/2017</a:t>
+              <a:t>9/29/2017</a:t>
             </a:fld>
             <a:endParaRPr lang="en-US"/>
           </a:p>
@@ -463,7 +476,7 @@
           <a:p>
             <a:fld id="{1F950B41-5E96-432F-B8E7-F7E4B9406995}" type="datetimeFigureOut">
               <a:rPr lang="en-US" smtClean="0"/>
-              <a:t>9/28/2017</a:t>
+              <a:t>9/29/2017</a:t>
             </a:fld>
             <a:endParaRPr lang="en-US"/>
           </a:p>
@@ -671,7 +684,7 @@
           <a:p>
             <a:fld id="{1F950B41-5E96-432F-B8E7-F7E4B9406995}" type="datetimeFigureOut">
               <a:rPr lang="en-US" smtClean="0"/>
-              <a:t>9/28/2017</a:t>
+              <a:t>9/29/2017</a:t>
             </a:fld>
             <a:endParaRPr lang="en-US"/>
           </a:p>
@@ -869,7 +882,7 @@
           <a:p>
             <a:fld id="{1F950B41-5E96-432F-B8E7-F7E4B9406995}" type="datetimeFigureOut">
               <a:rPr lang="en-US" smtClean="0"/>
-              <a:t>9/28/2017</a:t>
+              <a:t>9/29/2017</a:t>
             </a:fld>
             <a:endParaRPr lang="en-US"/>
           </a:p>
@@ -1144,7 +1157,7 @@
           <a:p>
             <a:fld id="{1F950B41-5E96-432F-B8E7-F7E4B9406995}" type="datetimeFigureOut">
               <a:rPr lang="en-US" smtClean="0"/>
-              <a:t>9/28/2017</a:t>
+              <a:t>9/29/2017</a:t>
             </a:fld>
             <a:endParaRPr lang="en-US"/>
           </a:p>
@@ -1409,7 +1422,7 @@
           <a:p>
             <a:fld id="{1F950B41-5E96-432F-B8E7-F7E4B9406995}" type="datetimeFigureOut">
               <a:rPr lang="en-US" smtClean="0"/>
-              <a:t>9/28/2017</a:t>
+              <a:t>9/29/2017</a:t>
             </a:fld>
             <a:endParaRPr lang="en-US"/>
           </a:p>
@@ -1821,7 +1834,7 @@
           <a:p>
             <a:fld id="{1F950B41-5E96-432F-B8E7-F7E4B9406995}" type="datetimeFigureOut">
               <a:rPr lang="en-US" smtClean="0"/>
-              <a:t>9/28/2017</a:t>
+              <a:t>9/29/2017</a:t>
             </a:fld>
             <a:endParaRPr lang="en-US"/>
           </a:p>
@@ -1962,7 +1975,7 @@
           <a:p>
             <a:fld id="{1F950B41-5E96-432F-B8E7-F7E4B9406995}" type="datetimeFigureOut">
               <a:rPr lang="en-US" smtClean="0"/>
-              <a:t>9/28/2017</a:t>
+              <a:t>9/29/2017</a:t>
             </a:fld>
             <a:endParaRPr lang="en-US"/>
           </a:p>
@@ -2075,7 +2088,7 @@
           <a:p>
             <a:fld id="{1F950B41-5E96-432F-B8E7-F7E4B9406995}" type="datetimeFigureOut">
               <a:rPr lang="en-US" smtClean="0"/>
-              <a:t>9/28/2017</a:t>
+              <a:t>9/29/2017</a:t>
             </a:fld>
             <a:endParaRPr lang="en-US"/>
           </a:p>
@@ -2386,7 +2399,7 @@
           <a:p>
             <a:fld id="{1F950B41-5E96-432F-B8E7-F7E4B9406995}" type="datetimeFigureOut">
               <a:rPr lang="en-US" smtClean="0"/>
-              <a:t>9/28/2017</a:t>
+              <a:t>9/29/2017</a:t>
             </a:fld>
             <a:endParaRPr lang="en-US"/>
           </a:p>
@@ -2674,7 +2687,7 @@
           <a:p>
             <a:fld id="{1F950B41-5E96-432F-B8E7-F7E4B9406995}" type="datetimeFigureOut">
               <a:rPr lang="en-US" smtClean="0"/>
-              <a:t>9/28/2017</a:t>
+              <a:t>9/29/2017</a:t>
             </a:fld>
             <a:endParaRPr lang="en-US"/>
           </a:p>
@@ -2915,7 +2928,7 @@
           <a:p>
             <a:fld id="{1F950B41-5E96-432F-B8E7-F7E4B9406995}" type="datetimeFigureOut">
               <a:rPr lang="en-US" smtClean="0"/>
-              <a:t>9/28/2017</a:t>
+              <a:t>9/29/2017</a:t>
             </a:fld>
             <a:endParaRPr lang="en-US"/>
           </a:p>
@@ -3383,7 +3396,7 @@
           <a:p>
             <a:r>
               <a:rPr lang="en-US" dirty="0"/>
-              <a:t>Day 1</a:t>
+              <a:t>Day 2</a:t>
             </a:r>
           </a:p>
         </p:txBody>
@@ -3392,6 +3405,1055 @@
     <p:extLst>
       <p:ext uri="{BB962C8B-B14F-4D97-AF65-F5344CB8AC3E}">
         <p14:creationId xmlns:p14="http://schemas.microsoft.com/office/powerpoint/2010/main" val="296038284"/>
+      </p:ext>
+    </p:extLst>
+  </p:cSld>
+  <p:clrMapOvr>
+    <a:masterClrMapping/>
+  </p:clrMapOvr>
+</p:sld>
+</file>
+
+<file path=ppt/slides/slide10.xml><?xml version="1.0" encoding="utf-8"?>
+<p:sld xmlns:a="http://schemas.openxmlformats.org/drawingml/2006/main" xmlns:r="http://schemas.openxmlformats.org/officeDocument/2006/relationships" xmlns:p="http://schemas.openxmlformats.org/presentationml/2006/main">
+  <p:cSld>
+    <p:spTree>
+      <p:nvGrpSpPr>
+        <p:cNvPr id="1" name=""/>
+        <p:cNvGrpSpPr/>
+        <p:nvPr/>
+      </p:nvGrpSpPr>
+      <p:grpSpPr>
+        <a:xfrm>
+          <a:off x="0" y="0"/>
+          <a:ext cx="0" cy="0"/>
+          <a:chOff x="0" y="0"/>
+          <a:chExt cx="0" cy="0"/>
+        </a:xfrm>
+      </p:grpSpPr>
+      <p:sp>
+        <p:nvSpPr>
+          <p:cNvPr id="2" name="Title 1">
+            <a:extLst>
+              <a:ext uri="{FF2B5EF4-FFF2-40B4-BE49-F238E27FC236}">
+                <a16:creationId xmlns:a16="http://schemas.microsoft.com/office/drawing/2014/main" id="{20E83D39-B18C-4B81-BDF4-7AD91161F1DD}"/>
+              </a:ext>
+            </a:extLst>
+          </p:cNvPr>
+          <p:cNvSpPr>
+            <a:spLocks noGrp="1"/>
+          </p:cNvSpPr>
+          <p:nvPr>
+            <p:ph type="title"/>
+          </p:nvPr>
+        </p:nvSpPr>
+        <p:spPr/>
+        <p:txBody>
+          <a:bodyPr/>
+          <a:lstStyle/>
+          <a:p>
+            <a:r>
+              <a:rPr lang="en-US" dirty="0"/>
+              <a:t>Function Arguments &amp; Return Values</a:t>
+            </a:r>
+          </a:p>
+        </p:txBody>
+      </p:sp>
+      <p:sp>
+        <p:nvSpPr>
+          <p:cNvPr id="3" name="Content Placeholder 2">
+            <a:extLst>
+              <a:ext uri="{FF2B5EF4-FFF2-40B4-BE49-F238E27FC236}">
+                <a16:creationId xmlns:a16="http://schemas.microsoft.com/office/drawing/2014/main" id="{1D49F6BA-C468-443B-BABE-6F3B53380549}"/>
+              </a:ext>
+            </a:extLst>
+          </p:cNvPr>
+          <p:cNvSpPr>
+            <a:spLocks noGrp="1"/>
+          </p:cNvSpPr>
+          <p:nvPr>
+            <p:ph sz="half" idx="1"/>
+          </p:nvPr>
+        </p:nvSpPr>
+        <p:spPr>
+          <a:xfrm>
+            <a:off x="838200" y="1825625"/>
+            <a:ext cx="10515600" cy="4351338"/>
+          </a:xfrm>
+        </p:spPr>
+        <p:txBody>
+          <a:bodyPr>
+            <a:normAutofit/>
+          </a:bodyPr>
+          <a:lstStyle/>
+          <a:p>
+            <a:pPr marL="0" indent="0">
+              <a:buNone/>
+            </a:pPr>
+            <a:endParaRPr lang="en-US" dirty="0">
+              <a:latin typeface="Courier New" panose="02070309020205020404" pitchFamily="49" charset="0"/>
+              <a:cs typeface="Courier New" panose="02070309020205020404" pitchFamily="49" charset="0"/>
+            </a:endParaRPr>
+          </a:p>
+          <a:p>
+            <a:pPr marL="0" indent="0">
+              <a:buNone/>
+            </a:pPr>
+            <a:r>
+              <a:rPr lang="en-US" dirty="0">
+                <a:latin typeface="Courier New" panose="02070309020205020404" pitchFamily="49" charset="0"/>
+                <a:cs typeface="Courier New" panose="02070309020205020404" pitchFamily="49" charset="0"/>
+              </a:rPr>
+              <a:t>def multiply(input1, input2):</a:t>
+            </a:r>
+          </a:p>
+          <a:p>
+            <a:pPr marL="0" indent="0">
+              <a:buNone/>
+            </a:pPr>
+            <a:r>
+              <a:rPr lang="en-US" dirty="0">
+                <a:solidFill>
+                  <a:srgbClr val="92D050"/>
+                </a:solidFill>
+                <a:latin typeface="Courier New" panose="02070309020205020404" pitchFamily="49" charset="0"/>
+                <a:cs typeface="Courier New" panose="02070309020205020404" pitchFamily="49" charset="0"/>
+              </a:rPr>
+              <a:t>'''Three quotes creates docstrings.’’’</a:t>
+            </a:r>
+          </a:p>
+          <a:p>
+            <a:pPr marL="0" indent="0">
+              <a:buNone/>
+            </a:pPr>
+            <a:r>
+              <a:rPr lang="en-US" dirty="0">
+                <a:latin typeface="Courier New" panose="02070309020205020404" pitchFamily="49" charset="0"/>
+                <a:cs typeface="Courier New" panose="02070309020205020404" pitchFamily="49" charset="0"/>
+              </a:rPr>
+              <a:t>    out = input1 * input 2</a:t>
+            </a:r>
+          </a:p>
+          <a:p>
+            <a:pPr marL="0" indent="0">
+              <a:buNone/>
+            </a:pPr>
+            <a:r>
+              <a:rPr lang="en-US" dirty="0">
+                <a:latin typeface="Courier New" panose="02070309020205020404" pitchFamily="49" charset="0"/>
+                <a:cs typeface="Courier New" panose="02070309020205020404" pitchFamily="49" charset="0"/>
+              </a:rPr>
+              <a:t>    return out</a:t>
+            </a:r>
+          </a:p>
+          <a:p>
+            <a:endParaRPr lang="en-US" dirty="0"/>
+          </a:p>
+        </p:txBody>
+      </p:sp>
+    </p:spTree>
+    <p:extLst>
+      <p:ext uri="{BB962C8B-B14F-4D97-AF65-F5344CB8AC3E}">
+        <p14:creationId xmlns:p14="http://schemas.microsoft.com/office/powerpoint/2010/main" val="3849776480"/>
+      </p:ext>
+    </p:extLst>
+  </p:cSld>
+  <p:clrMapOvr>
+    <a:masterClrMapping/>
+  </p:clrMapOvr>
+</p:sld>
+</file>
+
+<file path=ppt/slides/slide11.xml><?xml version="1.0" encoding="utf-8"?>
+<p:sld xmlns:a="http://schemas.openxmlformats.org/drawingml/2006/main" xmlns:r="http://schemas.openxmlformats.org/officeDocument/2006/relationships" xmlns:p="http://schemas.openxmlformats.org/presentationml/2006/main">
+  <p:cSld>
+    <p:spTree>
+      <p:nvGrpSpPr>
+        <p:cNvPr id="1" name=""/>
+        <p:cNvGrpSpPr/>
+        <p:nvPr/>
+      </p:nvGrpSpPr>
+      <p:grpSpPr>
+        <a:xfrm>
+          <a:off x="0" y="0"/>
+          <a:ext cx="0" cy="0"/>
+          <a:chOff x="0" y="0"/>
+          <a:chExt cx="0" cy="0"/>
+        </a:xfrm>
+      </p:grpSpPr>
+      <p:sp>
+        <p:nvSpPr>
+          <p:cNvPr id="2" name="Title 1">
+            <a:extLst>
+              <a:ext uri="{FF2B5EF4-FFF2-40B4-BE49-F238E27FC236}">
+                <a16:creationId xmlns:a16="http://schemas.microsoft.com/office/drawing/2014/main" id="{F74C2D03-9ED0-47ED-87A5-FA468F545DAC}"/>
+              </a:ext>
+            </a:extLst>
+          </p:cNvPr>
+          <p:cNvSpPr>
+            <a:spLocks noGrp="1"/>
+          </p:cNvSpPr>
+          <p:nvPr>
+            <p:ph type="title"/>
+          </p:nvPr>
+        </p:nvSpPr>
+        <p:spPr/>
+        <p:txBody>
+          <a:bodyPr/>
+          <a:lstStyle/>
+          <a:p>
+            <a:r>
+              <a:rPr lang="en-US" dirty="0"/>
+              <a:t>Exercise 8</a:t>
+            </a:r>
+          </a:p>
+        </p:txBody>
+      </p:sp>
+      <p:sp>
+        <p:nvSpPr>
+          <p:cNvPr id="3" name="Content Placeholder 2">
+            <a:extLst>
+              <a:ext uri="{FF2B5EF4-FFF2-40B4-BE49-F238E27FC236}">
+                <a16:creationId xmlns:a16="http://schemas.microsoft.com/office/drawing/2014/main" id="{5E2A3996-D228-4FCE-AEE3-0B8195A9288D}"/>
+              </a:ext>
+            </a:extLst>
+          </p:cNvPr>
+          <p:cNvSpPr>
+            <a:spLocks noGrp="1"/>
+          </p:cNvSpPr>
+          <p:nvPr>
+            <p:ph sz="half" idx="1"/>
+          </p:nvPr>
+        </p:nvSpPr>
+        <p:spPr>
+          <a:xfrm>
+            <a:off x="838199" y="1825625"/>
+            <a:ext cx="9681839" cy="4351338"/>
+          </a:xfrm>
+        </p:spPr>
+        <p:txBody>
+          <a:bodyPr/>
+          <a:lstStyle/>
+          <a:p>
+            <a:r>
+              <a:rPr lang="en-US" dirty="0"/>
+              <a:t>Write a function that takes a string as an argument and returns the same string with every even numbered letter removed</a:t>
+            </a:r>
+          </a:p>
+          <a:p>
+            <a:endParaRPr lang="en-US" dirty="0"/>
+          </a:p>
+          <a:p>
+            <a:r>
+              <a:rPr lang="en-US" dirty="0"/>
+              <a:t>Ex: function(“</a:t>
+            </a:r>
+            <a:r>
+              <a:rPr lang="en-US" dirty="0" err="1"/>
+              <a:t>abcdefg</a:t>
+            </a:r>
+            <a:r>
+              <a:rPr lang="en-US" dirty="0"/>
+              <a:t>”) = “</a:t>
+            </a:r>
+            <a:r>
+              <a:rPr lang="en-US" dirty="0" err="1"/>
+              <a:t>aceg</a:t>
+            </a:r>
+            <a:r>
+              <a:rPr lang="en-US" dirty="0"/>
+              <a:t>”</a:t>
+            </a:r>
+          </a:p>
+          <a:p>
+            <a:endParaRPr lang="en-US" dirty="0"/>
+          </a:p>
+          <a:p>
+            <a:r>
+              <a:rPr lang="en-US" dirty="0"/>
+              <a:t>Hint:  “ab” + “cd” = “</a:t>
+            </a:r>
+            <a:r>
+              <a:rPr lang="en-US" dirty="0" err="1"/>
+              <a:t>abcd</a:t>
+            </a:r>
+            <a:r>
+              <a:rPr lang="en-US" dirty="0"/>
+              <a:t>”</a:t>
+            </a:r>
+          </a:p>
+        </p:txBody>
+      </p:sp>
+    </p:spTree>
+    <p:extLst>
+      <p:ext uri="{BB962C8B-B14F-4D97-AF65-F5344CB8AC3E}">
+        <p14:creationId xmlns:p14="http://schemas.microsoft.com/office/powerpoint/2010/main" val="1438471050"/>
+      </p:ext>
+    </p:extLst>
+  </p:cSld>
+  <p:clrMapOvr>
+    <a:masterClrMapping/>
+  </p:clrMapOvr>
+</p:sld>
+</file>
+
+<file path=ppt/slides/slide12.xml><?xml version="1.0" encoding="utf-8"?>
+<p:sld xmlns:a="http://schemas.openxmlformats.org/drawingml/2006/main" xmlns:r="http://schemas.openxmlformats.org/officeDocument/2006/relationships" xmlns:p="http://schemas.openxmlformats.org/presentationml/2006/main">
+  <p:cSld>
+    <p:spTree>
+      <p:nvGrpSpPr>
+        <p:cNvPr id="1" name=""/>
+        <p:cNvGrpSpPr/>
+        <p:nvPr/>
+      </p:nvGrpSpPr>
+      <p:grpSpPr>
+        <a:xfrm>
+          <a:off x="0" y="0"/>
+          <a:ext cx="0" cy="0"/>
+          <a:chOff x="0" y="0"/>
+          <a:chExt cx="0" cy="0"/>
+        </a:xfrm>
+      </p:grpSpPr>
+      <p:sp>
+        <p:nvSpPr>
+          <p:cNvPr id="2" name="Title 1">
+            <a:extLst>
+              <a:ext uri="{FF2B5EF4-FFF2-40B4-BE49-F238E27FC236}">
+                <a16:creationId xmlns:a16="http://schemas.microsoft.com/office/drawing/2014/main" id="{BBA43B81-15BB-489F-8106-F8FB702307A6}"/>
+              </a:ext>
+            </a:extLst>
+          </p:cNvPr>
+          <p:cNvSpPr>
+            <a:spLocks noGrp="1"/>
+          </p:cNvSpPr>
+          <p:nvPr>
+            <p:ph type="title"/>
+          </p:nvPr>
+        </p:nvSpPr>
+        <p:spPr/>
+        <p:txBody>
+          <a:bodyPr/>
+          <a:lstStyle/>
+          <a:p>
+            <a:r>
+              <a:rPr lang="en-US" dirty="0"/>
+              <a:t>Variable Scope</a:t>
+            </a:r>
+          </a:p>
+        </p:txBody>
+      </p:sp>
+      <p:sp>
+        <p:nvSpPr>
+          <p:cNvPr id="3" name="Content Placeholder 2">
+            <a:extLst>
+              <a:ext uri="{FF2B5EF4-FFF2-40B4-BE49-F238E27FC236}">
+                <a16:creationId xmlns:a16="http://schemas.microsoft.com/office/drawing/2014/main" id="{A02507AE-364F-4549-9B6C-83F2633D2ADE}"/>
+              </a:ext>
+            </a:extLst>
+          </p:cNvPr>
+          <p:cNvSpPr>
+            <a:spLocks noGrp="1"/>
+          </p:cNvSpPr>
+          <p:nvPr>
+            <p:ph sz="half" idx="1"/>
+          </p:nvPr>
+        </p:nvSpPr>
+        <p:spPr/>
+        <p:txBody>
+          <a:bodyPr/>
+          <a:lstStyle/>
+          <a:p>
+            <a:pPr marL="0" indent="0">
+              <a:buNone/>
+            </a:pPr>
+            <a:endParaRPr lang="en-US" dirty="0"/>
+          </a:p>
+          <a:p>
+            <a:pPr marL="0" indent="0">
+              <a:buNone/>
+            </a:pPr>
+            <a:r>
+              <a:rPr lang="en-US" dirty="0"/>
+              <a:t>x = “friendly variable”</a:t>
+            </a:r>
+          </a:p>
+          <a:p>
+            <a:pPr marL="0" indent="0">
+              <a:buNone/>
+            </a:pPr>
+            <a:endParaRPr lang="en-US" dirty="0"/>
+          </a:p>
+          <a:p>
+            <a:pPr marL="0" indent="0">
+              <a:buNone/>
+            </a:pPr>
+            <a:r>
+              <a:rPr lang="en-US" dirty="0"/>
+              <a:t>def </a:t>
+            </a:r>
+            <a:r>
+              <a:rPr lang="en-US" dirty="0" err="1"/>
+              <a:t>my_function</a:t>
+            </a:r>
+            <a:r>
+              <a:rPr lang="en-US" dirty="0"/>
+              <a:t>():</a:t>
+            </a:r>
+          </a:p>
+          <a:p>
+            <a:pPr marL="0" indent="0">
+              <a:buNone/>
+            </a:pPr>
+            <a:r>
+              <a:rPr lang="en-US" dirty="0"/>
+              <a:t>	x = 3.14</a:t>
+            </a:r>
+          </a:p>
+          <a:p>
+            <a:pPr marL="0" indent="0">
+              <a:buNone/>
+            </a:pPr>
+            <a:r>
+              <a:rPr lang="en-US" dirty="0"/>
+              <a:t>	print(x)</a:t>
+            </a:r>
+          </a:p>
+        </p:txBody>
+      </p:sp>
+      <p:sp>
+        <p:nvSpPr>
+          <p:cNvPr id="4" name="Content Placeholder 3">
+            <a:extLst>
+              <a:ext uri="{FF2B5EF4-FFF2-40B4-BE49-F238E27FC236}">
+                <a16:creationId xmlns:a16="http://schemas.microsoft.com/office/drawing/2014/main" id="{FF377033-4C7B-4B21-A2FF-907F0217B4C2}"/>
+              </a:ext>
+            </a:extLst>
+          </p:cNvPr>
+          <p:cNvSpPr>
+            <a:spLocks noGrp="1"/>
+          </p:cNvSpPr>
+          <p:nvPr>
+            <p:ph sz="half" idx="2"/>
+          </p:nvPr>
+        </p:nvSpPr>
+        <p:spPr/>
+        <p:txBody>
+          <a:bodyPr/>
+          <a:lstStyle/>
+          <a:p>
+            <a:r>
+              <a:rPr lang="en-US" dirty="0"/>
+              <a:t>What gets printed in the preceding code?</a:t>
+            </a:r>
+          </a:p>
+        </p:txBody>
+      </p:sp>
+    </p:spTree>
+    <p:extLst>
+      <p:ext uri="{BB962C8B-B14F-4D97-AF65-F5344CB8AC3E}">
+        <p14:creationId xmlns:p14="http://schemas.microsoft.com/office/powerpoint/2010/main" val="2429813044"/>
+      </p:ext>
+    </p:extLst>
+  </p:cSld>
+  <p:clrMapOvr>
+    <a:masterClrMapping/>
+  </p:clrMapOvr>
+</p:sld>
+</file>
+
+<file path=ppt/slides/slide13.xml><?xml version="1.0" encoding="utf-8"?>
+<p:sld xmlns:a="http://schemas.openxmlformats.org/drawingml/2006/main" xmlns:r="http://schemas.openxmlformats.org/officeDocument/2006/relationships" xmlns:p="http://schemas.openxmlformats.org/presentationml/2006/main">
+  <p:cSld>
+    <p:spTree>
+      <p:nvGrpSpPr>
+        <p:cNvPr id="1" name=""/>
+        <p:cNvGrpSpPr/>
+        <p:nvPr/>
+      </p:nvGrpSpPr>
+      <p:grpSpPr>
+        <a:xfrm>
+          <a:off x="0" y="0"/>
+          <a:ext cx="0" cy="0"/>
+          <a:chOff x="0" y="0"/>
+          <a:chExt cx="0" cy="0"/>
+        </a:xfrm>
+      </p:grpSpPr>
+      <p:sp>
+        <p:nvSpPr>
+          <p:cNvPr id="2" name="Title 1">
+            <a:extLst>
+              <a:ext uri="{FF2B5EF4-FFF2-40B4-BE49-F238E27FC236}">
+                <a16:creationId xmlns:a16="http://schemas.microsoft.com/office/drawing/2014/main" id="{E66B37C5-3AFC-4D93-B384-8746B69FA7A4}"/>
+              </a:ext>
+            </a:extLst>
+          </p:cNvPr>
+          <p:cNvSpPr>
+            <a:spLocks noGrp="1"/>
+          </p:cNvSpPr>
+          <p:nvPr>
+            <p:ph type="title"/>
+          </p:nvPr>
+        </p:nvSpPr>
+        <p:spPr/>
+        <p:txBody>
+          <a:bodyPr/>
+          <a:lstStyle/>
+          <a:p>
+            <a:r>
+              <a:rPr lang="en-US" dirty="0"/>
+              <a:t>LEGB Rule</a:t>
+            </a:r>
+          </a:p>
+        </p:txBody>
+      </p:sp>
+      <p:sp>
+        <p:nvSpPr>
+          <p:cNvPr id="3" name="Content Placeholder 2">
+            <a:extLst>
+              <a:ext uri="{FF2B5EF4-FFF2-40B4-BE49-F238E27FC236}">
+                <a16:creationId xmlns:a16="http://schemas.microsoft.com/office/drawing/2014/main" id="{FD344BA8-1ABC-4355-AF0F-2D86CB8DB3C8}"/>
+              </a:ext>
+            </a:extLst>
+          </p:cNvPr>
+          <p:cNvSpPr>
+            <a:spLocks noGrp="1"/>
+          </p:cNvSpPr>
+          <p:nvPr>
+            <p:ph sz="half" idx="1"/>
+          </p:nvPr>
+        </p:nvSpPr>
+        <p:spPr>
+          <a:xfrm>
+            <a:off x="838200" y="1825625"/>
+            <a:ext cx="10445318" cy="4351338"/>
+          </a:xfrm>
+        </p:spPr>
+        <p:txBody>
+          <a:bodyPr/>
+          <a:lstStyle/>
+          <a:p>
+            <a:r>
+              <a:rPr lang="en-US" b="1" dirty="0"/>
+              <a:t>Local</a:t>
+            </a:r>
+            <a:r>
+              <a:rPr lang="en-US" dirty="0"/>
+              <a:t>: any variable declared within a function or lambda</a:t>
+            </a:r>
+          </a:p>
+          <a:p>
+            <a:endParaRPr lang="en-US" dirty="0"/>
+          </a:p>
+          <a:p>
+            <a:r>
+              <a:rPr lang="en-US" b="1" dirty="0"/>
+              <a:t>Enclosing</a:t>
+            </a:r>
+            <a:r>
+              <a:rPr lang="en-US" dirty="0"/>
+              <a:t>: for nested functions, the next set of enclosing function locals in order</a:t>
+            </a:r>
+          </a:p>
+          <a:p>
+            <a:endParaRPr lang="en-US" dirty="0"/>
+          </a:p>
+          <a:p>
+            <a:r>
+              <a:rPr lang="en-US" b="1" dirty="0"/>
+              <a:t>Global</a:t>
+            </a:r>
+            <a:r>
+              <a:rPr lang="en-US" dirty="0"/>
+              <a:t>: variables defined at the top-level of a module or declared as “global x = 5”</a:t>
+            </a:r>
+          </a:p>
+          <a:p>
+            <a:endParaRPr lang="en-US" dirty="0"/>
+          </a:p>
+          <a:p>
+            <a:r>
+              <a:rPr lang="en-US" b="1" dirty="0"/>
+              <a:t>Built-In</a:t>
+            </a:r>
+            <a:r>
+              <a:rPr lang="en-US" dirty="0"/>
+              <a:t>: preassigned names such as sum, open etc.</a:t>
+            </a:r>
+          </a:p>
+        </p:txBody>
+      </p:sp>
+    </p:spTree>
+    <p:extLst>
+      <p:ext uri="{BB962C8B-B14F-4D97-AF65-F5344CB8AC3E}">
+        <p14:creationId xmlns:p14="http://schemas.microsoft.com/office/powerpoint/2010/main" val="3641004234"/>
+      </p:ext>
+    </p:extLst>
+  </p:cSld>
+  <p:clrMapOvr>
+    <a:masterClrMapping/>
+  </p:clrMapOvr>
+</p:sld>
+</file>
+
+<file path=ppt/slides/slide14.xml><?xml version="1.0" encoding="utf-8"?>
+<p:sld xmlns:a="http://schemas.openxmlformats.org/drawingml/2006/main" xmlns:r="http://schemas.openxmlformats.org/officeDocument/2006/relationships" xmlns:p="http://schemas.openxmlformats.org/presentationml/2006/main">
+  <p:cSld>
+    <p:spTree>
+      <p:nvGrpSpPr>
+        <p:cNvPr id="1" name=""/>
+        <p:cNvGrpSpPr/>
+        <p:nvPr/>
+      </p:nvGrpSpPr>
+      <p:grpSpPr>
+        <a:xfrm>
+          <a:off x="0" y="0"/>
+          <a:ext cx="0" cy="0"/>
+          <a:chOff x="0" y="0"/>
+          <a:chExt cx="0" cy="0"/>
+        </a:xfrm>
+      </p:grpSpPr>
+      <p:sp>
+        <p:nvSpPr>
+          <p:cNvPr id="2" name="Title 1">
+            <a:extLst>
+              <a:ext uri="{FF2B5EF4-FFF2-40B4-BE49-F238E27FC236}">
+                <a16:creationId xmlns:a16="http://schemas.microsoft.com/office/drawing/2014/main" id="{F7E744F7-8737-4279-878D-9219ADD111B1}"/>
+              </a:ext>
+            </a:extLst>
+          </p:cNvPr>
+          <p:cNvSpPr>
+            <a:spLocks noGrp="1"/>
+          </p:cNvSpPr>
+          <p:nvPr>
+            <p:ph type="title"/>
+          </p:nvPr>
+        </p:nvSpPr>
+        <p:spPr/>
+        <p:txBody>
+          <a:bodyPr/>
+          <a:lstStyle/>
+          <a:p>
+            <a:r>
+              <a:rPr lang="en-US" dirty="0"/>
+              <a:t>Modules</a:t>
+            </a:r>
+          </a:p>
+        </p:txBody>
+      </p:sp>
+      <p:sp>
+        <p:nvSpPr>
+          <p:cNvPr id="3" name="Content Placeholder 2">
+            <a:extLst>
+              <a:ext uri="{FF2B5EF4-FFF2-40B4-BE49-F238E27FC236}">
+                <a16:creationId xmlns:a16="http://schemas.microsoft.com/office/drawing/2014/main" id="{73DFF0B4-921D-45CD-901C-46F046E1E75E}"/>
+              </a:ext>
+            </a:extLst>
+          </p:cNvPr>
+          <p:cNvSpPr>
+            <a:spLocks noGrp="1"/>
+          </p:cNvSpPr>
+          <p:nvPr>
+            <p:ph sz="half" idx="1"/>
+          </p:nvPr>
+        </p:nvSpPr>
+        <p:spPr>
+          <a:xfrm>
+            <a:off x="838200" y="1825625"/>
+            <a:ext cx="10028068" cy="4351338"/>
+          </a:xfrm>
+        </p:spPr>
+        <p:txBody>
+          <a:bodyPr/>
+          <a:lstStyle/>
+          <a:p>
+            <a:r>
+              <a:rPr lang="en-US" dirty="0"/>
+              <a:t>A set of functions and executable code that can be imported into the local space.</a:t>
+            </a:r>
+          </a:p>
+          <a:p>
+            <a:r>
+              <a:rPr lang="en-US" dirty="0"/>
+              <a:t>You can write your own modules or use some of the massive amounts of pre-written modules other programmers have made available</a:t>
+            </a:r>
+          </a:p>
+        </p:txBody>
+      </p:sp>
+    </p:spTree>
+    <p:extLst>
+      <p:ext uri="{BB962C8B-B14F-4D97-AF65-F5344CB8AC3E}">
+        <p14:creationId xmlns:p14="http://schemas.microsoft.com/office/powerpoint/2010/main" val="568936694"/>
+      </p:ext>
+    </p:extLst>
+  </p:cSld>
+  <p:clrMapOvr>
+    <a:masterClrMapping/>
+  </p:clrMapOvr>
+</p:sld>
+</file>
+
+<file path=ppt/slides/slide15.xml><?xml version="1.0" encoding="utf-8"?>
+<p:sld xmlns:a="http://schemas.openxmlformats.org/drawingml/2006/main" xmlns:r="http://schemas.openxmlformats.org/officeDocument/2006/relationships" xmlns:p="http://schemas.openxmlformats.org/presentationml/2006/main">
+  <p:cSld>
+    <p:spTree>
+      <p:nvGrpSpPr>
+        <p:cNvPr id="1" name=""/>
+        <p:cNvGrpSpPr/>
+        <p:nvPr/>
+      </p:nvGrpSpPr>
+      <p:grpSpPr>
+        <a:xfrm>
+          <a:off x="0" y="0"/>
+          <a:ext cx="0" cy="0"/>
+          <a:chOff x="0" y="0"/>
+          <a:chExt cx="0" cy="0"/>
+        </a:xfrm>
+      </p:grpSpPr>
+      <p:sp>
+        <p:nvSpPr>
+          <p:cNvPr id="2" name="Title 1">
+            <a:extLst>
+              <a:ext uri="{FF2B5EF4-FFF2-40B4-BE49-F238E27FC236}">
+                <a16:creationId xmlns:a16="http://schemas.microsoft.com/office/drawing/2014/main" id="{159CFDA2-38CC-49F3-8C75-F0BE4D64F33F}"/>
+              </a:ext>
+            </a:extLst>
+          </p:cNvPr>
+          <p:cNvSpPr>
+            <a:spLocks noGrp="1"/>
+          </p:cNvSpPr>
+          <p:nvPr>
+            <p:ph type="title"/>
+          </p:nvPr>
+        </p:nvSpPr>
+        <p:spPr/>
+        <p:txBody>
+          <a:bodyPr/>
+          <a:lstStyle/>
+          <a:p>
+            <a:r>
+              <a:rPr lang="en-US" dirty="0"/>
+              <a:t>Module Example</a:t>
+            </a:r>
+          </a:p>
+        </p:txBody>
+      </p:sp>
+      <p:sp>
+        <p:nvSpPr>
+          <p:cNvPr id="3" name="Content Placeholder 2">
+            <a:extLst>
+              <a:ext uri="{FF2B5EF4-FFF2-40B4-BE49-F238E27FC236}">
+                <a16:creationId xmlns:a16="http://schemas.microsoft.com/office/drawing/2014/main" id="{B0F5198A-1AD6-4415-ACDA-F0768FA8E9AA}"/>
+              </a:ext>
+            </a:extLst>
+          </p:cNvPr>
+          <p:cNvSpPr>
+            <a:spLocks noGrp="1"/>
+          </p:cNvSpPr>
+          <p:nvPr>
+            <p:ph sz="half" idx="1"/>
+          </p:nvPr>
+        </p:nvSpPr>
+        <p:spPr>
+          <a:xfrm>
+            <a:off x="838199" y="1825625"/>
+            <a:ext cx="7338135" cy="4351338"/>
+          </a:xfrm>
+        </p:spPr>
+        <p:txBody>
+          <a:bodyPr/>
+          <a:lstStyle/>
+          <a:p>
+            <a:pPr marL="0" indent="0">
+              <a:buNone/>
+            </a:pPr>
+            <a:r>
+              <a:rPr lang="en-US" dirty="0"/>
+              <a:t>import </a:t>
+            </a:r>
+            <a:r>
+              <a:rPr lang="en-US" dirty="0" err="1"/>
+              <a:t>urllib.request</a:t>
+            </a:r>
+            <a:endParaRPr lang="en-US" dirty="0"/>
+          </a:p>
+          <a:p>
+            <a:pPr marL="0" indent="0">
+              <a:buNone/>
+            </a:pPr>
+            <a:r>
+              <a:rPr lang="en-US" dirty="0"/>
+              <a:t>response = </a:t>
+            </a:r>
+            <a:r>
+              <a:rPr lang="en-US" dirty="0" err="1"/>
+              <a:t>urllib.request.urlopen</a:t>
+            </a:r>
+            <a:r>
+              <a:rPr lang="en-US" dirty="0"/>
+              <a:t>(</a:t>
+            </a:r>
+            <a:r>
+              <a:rPr lang="en-US" dirty="0">
+                <a:hlinkClick r:id="rId2"/>
+              </a:rPr>
+              <a:t>http://python.org/</a:t>
+            </a:r>
+            <a:r>
+              <a:rPr lang="en-US" dirty="0"/>
+              <a:t>)</a:t>
+            </a:r>
+          </a:p>
+          <a:p>
+            <a:pPr marL="0" indent="0">
+              <a:buNone/>
+            </a:pPr>
+            <a:r>
+              <a:rPr lang="en-US" dirty="0"/>
+              <a:t>html = </a:t>
+            </a:r>
+            <a:r>
+              <a:rPr lang="en-US" dirty="0" err="1"/>
+              <a:t>response.read</a:t>
+            </a:r>
+            <a:r>
+              <a:rPr lang="en-US" dirty="0"/>
+              <a:t>().decode(‘utf-8’)</a:t>
+            </a:r>
+          </a:p>
+        </p:txBody>
+      </p:sp>
+      <p:sp>
+        <p:nvSpPr>
+          <p:cNvPr id="4" name="Content Placeholder 3">
+            <a:extLst>
+              <a:ext uri="{FF2B5EF4-FFF2-40B4-BE49-F238E27FC236}">
+                <a16:creationId xmlns:a16="http://schemas.microsoft.com/office/drawing/2014/main" id="{AD605D81-3F01-4868-A2B6-F32FDFEC6DCE}"/>
+              </a:ext>
+            </a:extLst>
+          </p:cNvPr>
+          <p:cNvSpPr>
+            <a:spLocks noGrp="1"/>
+          </p:cNvSpPr>
+          <p:nvPr>
+            <p:ph sz="half" idx="2"/>
+          </p:nvPr>
+        </p:nvSpPr>
+        <p:spPr>
+          <a:xfrm>
+            <a:off x="8309498" y="1825625"/>
+            <a:ext cx="3044301" cy="4351338"/>
+          </a:xfrm>
+        </p:spPr>
+        <p:txBody>
+          <a:bodyPr/>
+          <a:lstStyle/>
+          <a:p>
+            <a:r>
+              <a:rPr lang="en-US" dirty="0"/>
+              <a:t>Import a module for retrieving websites</a:t>
+            </a:r>
+          </a:p>
+          <a:p>
+            <a:r>
+              <a:rPr lang="en-US" dirty="0"/>
+              <a:t>Call the method to open the site</a:t>
+            </a:r>
+          </a:p>
+          <a:p>
+            <a:r>
+              <a:rPr lang="en-US" dirty="0"/>
+              <a:t>Call the method to read the response into a string</a:t>
+            </a:r>
+          </a:p>
+        </p:txBody>
+      </p:sp>
+    </p:spTree>
+    <p:extLst>
+      <p:ext uri="{BB962C8B-B14F-4D97-AF65-F5344CB8AC3E}">
+        <p14:creationId xmlns:p14="http://schemas.microsoft.com/office/powerpoint/2010/main" val="3175188954"/>
+      </p:ext>
+    </p:extLst>
+  </p:cSld>
+  <p:clrMapOvr>
+    <a:masterClrMapping/>
+  </p:clrMapOvr>
+</p:sld>
+</file>
+
+<file path=ppt/slides/slide16.xml><?xml version="1.0" encoding="utf-8"?>
+<p:sld xmlns:a="http://schemas.openxmlformats.org/drawingml/2006/main" xmlns:r="http://schemas.openxmlformats.org/officeDocument/2006/relationships" xmlns:p="http://schemas.openxmlformats.org/presentationml/2006/main">
+  <p:cSld>
+    <p:spTree>
+      <p:nvGrpSpPr>
+        <p:cNvPr id="1" name=""/>
+        <p:cNvGrpSpPr/>
+        <p:nvPr/>
+      </p:nvGrpSpPr>
+      <p:grpSpPr>
+        <a:xfrm>
+          <a:off x="0" y="0"/>
+          <a:ext cx="0" cy="0"/>
+          <a:chOff x="0" y="0"/>
+          <a:chExt cx="0" cy="0"/>
+        </a:xfrm>
+      </p:grpSpPr>
+      <p:sp>
+        <p:nvSpPr>
+          <p:cNvPr id="2" name="Title 1">
+            <a:extLst>
+              <a:ext uri="{FF2B5EF4-FFF2-40B4-BE49-F238E27FC236}">
+                <a16:creationId xmlns:a16="http://schemas.microsoft.com/office/drawing/2014/main" id="{BD04AA2F-0182-4AB4-9D25-15747B877BD0}"/>
+              </a:ext>
+            </a:extLst>
+          </p:cNvPr>
+          <p:cNvSpPr>
+            <a:spLocks noGrp="1"/>
+          </p:cNvSpPr>
+          <p:nvPr>
+            <p:ph type="title"/>
+          </p:nvPr>
+        </p:nvSpPr>
+        <p:spPr/>
+        <p:txBody>
+          <a:bodyPr/>
+          <a:lstStyle/>
+          <a:p>
+            <a:r>
+              <a:rPr lang="en-US" dirty="0"/>
+              <a:t>Exercise 9</a:t>
+            </a:r>
+          </a:p>
+        </p:txBody>
+      </p:sp>
+      <p:sp>
+        <p:nvSpPr>
+          <p:cNvPr id="3" name="Content Placeholder 2">
+            <a:extLst>
+              <a:ext uri="{FF2B5EF4-FFF2-40B4-BE49-F238E27FC236}">
+                <a16:creationId xmlns:a16="http://schemas.microsoft.com/office/drawing/2014/main" id="{37E8FC8A-D0A5-49D1-A7B1-1830D97D1C6E}"/>
+              </a:ext>
+            </a:extLst>
+          </p:cNvPr>
+          <p:cNvSpPr>
+            <a:spLocks noGrp="1"/>
+          </p:cNvSpPr>
+          <p:nvPr>
+            <p:ph sz="half" idx="1"/>
+          </p:nvPr>
+        </p:nvSpPr>
+        <p:spPr>
+          <a:xfrm>
+            <a:off x="838200" y="1562723"/>
+            <a:ext cx="6761085" cy="4351338"/>
+          </a:xfrm>
+        </p:spPr>
+        <p:txBody>
+          <a:bodyPr>
+            <a:normAutofit fontScale="92500"/>
+          </a:bodyPr>
+          <a:lstStyle/>
+          <a:p>
+            <a:pPr marL="0" indent="0">
+              <a:buNone/>
+            </a:pPr>
+            <a:r>
+              <a:rPr lang="en-US" dirty="0"/>
+              <a:t>Write a program to read in all the content from a webpage and output a file with a frequency count of every unique word found on that page. </a:t>
+            </a:r>
+          </a:p>
+          <a:p>
+            <a:pPr marL="0" indent="0">
+              <a:buNone/>
+            </a:pPr>
+            <a:endParaRPr lang="en-US" dirty="0"/>
+          </a:p>
+          <a:p>
+            <a:pPr marL="0" indent="0">
+              <a:buNone/>
+            </a:pPr>
+            <a:r>
+              <a:rPr lang="en-US" dirty="0"/>
+              <a:t>HINT: </a:t>
+            </a:r>
+            <a:r>
+              <a:rPr lang="en-US" dirty="0" err="1"/>
+              <a:t>my_string.split</a:t>
+            </a:r>
+            <a:r>
+              <a:rPr lang="en-US" dirty="0"/>
+              <a:t>(‘ ‘)</a:t>
+            </a:r>
+          </a:p>
+          <a:p>
+            <a:pPr marL="0" indent="0">
+              <a:buNone/>
+            </a:pPr>
+            <a:r>
+              <a:rPr lang="en-US" dirty="0"/>
+              <a:t>returns a list of all token in a string separated by whitespace</a:t>
+            </a:r>
+          </a:p>
+          <a:p>
+            <a:pPr marL="0" indent="0">
+              <a:buNone/>
+            </a:pPr>
+            <a:endParaRPr lang="en-US" dirty="0"/>
+          </a:p>
+          <a:p>
+            <a:pPr marL="0" indent="0">
+              <a:buNone/>
+            </a:pPr>
+            <a:r>
+              <a:rPr lang="en-US" b="1" dirty="0"/>
+              <a:t>Bonus</a:t>
+            </a:r>
+            <a:r>
+              <a:rPr lang="en-US" dirty="0"/>
+              <a:t>: use the library beautiful soup to remove html tags from your input</a:t>
+            </a:r>
+          </a:p>
+        </p:txBody>
+      </p:sp>
+      <p:pic>
+        <p:nvPicPr>
+          <p:cNvPr id="6" name="Picture 5">
+            <a:extLst>
+              <a:ext uri="{FF2B5EF4-FFF2-40B4-BE49-F238E27FC236}">
+                <a16:creationId xmlns:a16="http://schemas.microsoft.com/office/drawing/2014/main" id="{AD25F2DA-D6A6-4092-A430-84FC1B88E701}"/>
+              </a:ext>
+            </a:extLst>
+          </p:cNvPr>
+          <p:cNvPicPr>
+            <a:picLocks noChangeAspect="1"/>
+          </p:cNvPicPr>
+          <p:nvPr/>
+        </p:nvPicPr>
+        <p:blipFill>
+          <a:blip r:embed="rId2">
+            <a:extLst>
+              <a:ext uri="{28A0092B-C50C-407E-A947-70E740481C1C}">
+                <a14:useLocalDpi xmlns:a14="http://schemas.microsoft.com/office/drawing/2010/main" val="0"/>
+              </a:ext>
+            </a:extLst>
+          </a:blip>
+          <a:stretch>
+            <a:fillRect/>
+          </a:stretch>
+        </p:blipFill>
+        <p:spPr>
+          <a:xfrm>
+            <a:off x="7963270" y="1825625"/>
+            <a:ext cx="3825535" cy="3825535"/>
+          </a:xfrm>
+          <a:prstGeom prst="rect">
+            <a:avLst/>
+          </a:prstGeom>
+        </p:spPr>
+      </p:pic>
+    </p:spTree>
+    <p:extLst>
+      <p:ext uri="{BB962C8B-B14F-4D97-AF65-F5344CB8AC3E}">
+        <p14:creationId xmlns:p14="http://schemas.microsoft.com/office/powerpoint/2010/main" val="3405759536"/>
       </p:ext>
     </p:extLst>
   </p:cSld>
@@ -4173,20 +5235,13 @@
                 <a:latin typeface="Courier New" panose="02070309020205020404" pitchFamily="49" charset="0"/>
                 <a:cs typeface="Courier New" panose="02070309020205020404" pitchFamily="49" charset="0"/>
               </a:rPr>
-              <a:t>with open(‘filename.txt’) as f:</a:t>
+              <a:t>f = open(‘filename.txt’)</a:t>
             </a:r>
           </a:p>
           <a:p>
             <a:pPr marL="914400" lvl="2" indent="0">
               <a:buNone/>
             </a:pPr>
-            <a:r>
-              <a:rPr lang="en-US" dirty="0">
-                <a:latin typeface="Courier New" panose="02070309020205020404" pitchFamily="49" charset="0"/>
-                <a:cs typeface="Courier New" panose="02070309020205020404" pitchFamily="49" charset="0"/>
-              </a:rPr>
-              <a:t>    </a:t>
-            </a:r>
             <a:r>
               <a:rPr lang="en-US" dirty="0" err="1">
                 <a:latin typeface="Courier New" panose="02070309020205020404" pitchFamily="49" charset="0"/>
@@ -4628,6 +5683,151 @@
     <p:extLst>
       <p:ext uri="{BB962C8B-B14F-4D97-AF65-F5344CB8AC3E}">
         <p14:creationId xmlns:p14="http://schemas.microsoft.com/office/powerpoint/2010/main" val="3543231878"/>
+      </p:ext>
+    </p:extLst>
+  </p:cSld>
+  <p:clrMapOvr>
+    <a:masterClrMapping/>
+  </p:clrMapOvr>
+</p:sld>
+</file>
+
+<file path=ppt/slides/slide9.xml><?xml version="1.0" encoding="utf-8"?>
+<p:sld xmlns:a="http://schemas.openxmlformats.org/drawingml/2006/main" xmlns:r="http://schemas.openxmlformats.org/officeDocument/2006/relationships" xmlns:p="http://schemas.openxmlformats.org/presentationml/2006/main">
+  <p:cSld>
+    <p:spTree>
+      <p:nvGrpSpPr>
+        <p:cNvPr id="1" name=""/>
+        <p:cNvGrpSpPr/>
+        <p:nvPr/>
+      </p:nvGrpSpPr>
+      <p:grpSpPr>
+        <a:xfrm>
+          <a:off x="0" y="0"/>
+          <a:ext cx="0" cy="0"/>
+          <a:chOff x="0" y="0"/>
+          <a:chExt cx="0" cy="0"/>
+        </a:xfrm>
+      </p:grpSpPr>
+      <p:sp>
+        <p:nvSpPr>
+          <p:cNvPr id="2" name="Title 1">
+            <a:extLst>
+              <a:ext uri="{FF2B5EF4-FFF2-40B4-BE49-F238E27FC236}">
+                <a16:creationId xmlns:a16="http://schemas.microsoft.com/office/drawing/2014/main" id="{87A985D3-CA85-44B4-8F31-327F43E0A2CB}"/>
+              </a:ext>
+            </a:extLst>
+          </p:cNvPr>
+          <p:cNvSpPr>
+            <a:spLocks noGrp="1"/>
+          </p:cNvSpPr>
+          <p:nvPr>
+            <p:ph type="title"/>
+          </p:nvPr>
+        </p:nvSpPr>
+        <p:spPr/>
+        <p:txBody>
+          <a:bodyPr/>
+          <a:lstStyle/>
+          <a:p>
+            <a:r>
+              <a:rPr lang="en-US" dirty="0"/>
+              <a:t>Functions</a:t>
+            </a:r>
+          </a:p>
+        </p:txBody>
+      </p:sp>
+      <p:sp>
+        <p:nvSpPr>
+          <p:cNvPr id="3" name="Content Placeholder 2">
+            <a:extLst>
+              <a:ext uri="{FF2B5EF4-FFF2-40B4-BE49-F238E27FC236}">
+                <a16:creationId xmlns:a16="http://schemas.microsoft.com/office/drawing/2014/main" id="{6AF0223C-CC44-4EC2-A713-2B3EF3813CC7}"/>
+              </a:ext>
+            </a:extLst>
+          </p:cNvPr>
+          <p:cNvSpPr>
+            <a:spLocks noGrp="1"/>
+          </p:cNvSpPr>
+          <p:nvPr>
+            <p:ph sz="half" idx="1"/>
+          </p:nvPr>
+        </p:nvSpPr>
+        <p:spPr>
+          <a:xfrm>
+            <a:off x="838200" y="1825625"/>
+            <a:ext cx="4568301" cy="4351338"/>
+          </a:xfrm>
+        </p:spPr>
+        <p:txBody>
+          <a:bodyPr/>
+          <a:lstStyle/>
+          <a:p>
+            <a:r>
+              <a:rPr lang="en-US" dirty="0"/>
+              <a:t>Functions take some number of arguments as input</a:t>
+            </a:r>
+          </a:p>
+          <a:p>
+            <a:r>
+              <a:rPr lang="en-US" dirty="0"/>
+              <a:t>perform an operation</a:t>
+            </a:r>
+          </a:p>
+          <a:p>
+            <a:r>
+              <a:rPr lang="en-US" dirty="0"/>
+              <a:t>Return a single output</a:t>
+            </a:r>
+          </a:p>
+          <a:p>
+            <a:endParaRPr lang="en-US" dirty="0"/>
+          </a:p>
+          <a:p>
+            <a:endParaRPr lang="en-US" dirty="0"/>
+          </a:p>
+        </p:txBody>
+      </p:sp>
+      <p:pic>
+        <p:nvPicPr>
+          <p:cNvPr id="6" name="Picture 5">
+            <a:extLst>
+              <a:ext uri="{FF2B5EF4-FFF2-40B4-BE49-F238E27FC236}">
+                <a16:creationId xmlns:a16="http://schemas.microsoft.com/office/drawing/2014/main" id="{23AA908D-FE61-4D66-A8DA-246ACD5931D3}"/>
+              </a:ext>
+            </a:extLst>
+          </p:cNvPr>
+          <p:cNvPicPr>
+            <a:picLocks noChangeAspect="1"/>
+          </p:cNvPicPr>
+          <p:nvPr/>
+        </p:nvPicPr>
+        <p:blipFill>
+          <a:blip r:embed="rId2">
+            <a:extLst>
+              <a:ext uri="{28A0092B-C50C-407E-A947-70E740481C1C}">
+                <a14:useLocalDpi xmlns:a14="http://schemas.microsoft.com/office/drawing/2010/main" val="0"/>
+              </a:ext>
+            </a:extLst>
+          </a:blip>
+          <a:stretch>
+            <a:fillRect/>
+          </a:stretch>
+        </p:blipFill>
+        <p:spPr>
+          <a:xfrm>
+            <a:off x="5681709" y="1825625"/>
+            <a:ext cx="5672091" cy="2951985"/>
+          </a:xfrm>
+          <a:prstGeom prst="rect">
+            <a:avLst/>
+          </a:prstGeom>
+        </p:spPr>
+      </p:pic>
+    </p:spTree>
+    <p:extLst>
+      <p:ext uri="{BB962C8B-B14F-4D97-AF65-F5344CB8AC3E}">
+        <p14:creationId xmlns:p14="http://schemas.microsoft.com/office/powerpoint/2010/main" val="3977274353"/>
       </p:ext>
     </p:extLst>
   </p:cSld>
